--- a/reporting/IS2 GitHub Modeling Summary Layouts.pptx
+++ b/reporting/IS2 GitHub Modeling Summary Layouts.pptx
@@ -216,7 +216,7 @@
           <a:p>
             <a:fld id="{30EC18F4-5B17-40DF-9DE1-871691755494}" type="datetimeFigureOut">
               <a:rPr lang="en-US" smtClean="0"/>
-              <a:t>2/20/2024</a:t>
+              <a:t>3/1/2024</a:t>
             </a:fld>
             <a:endParaRPr lang="en-US"/>
           </a:p>
@@ -1829,7 +1829,7 @@
           <a:p>
             <a:fld id="{803A6DAB-104D-4A34-92C1-982EC081E5FE}" type="datetimeFigureOut">
               <a:rPr lang="en-US" smtClean="0"/>
-              <a:t>2/20/2024</a:t>
+              <a:t>3/1/2024</a:t>
             </a:fld>
             <a:endParaRPr lang="en-US"/>
           </a:p>
@@ -2027,7 +2027,7 @@
           <a:p>
             <a:fld id="{803A6DAB-104D-4A34-92C1-982EC081E5FE}" type="datetimeFigureOut">
               <a:rPr lang="en-US" smtClean="0"/>
-              <a:t>2/20/2024</a:t>
+              <a:t>3/1/2024</a:t>
             </a:fld>
             <a:endParaRPr lang="en-US"/>
           </a:p>
@@ -2235,7 +2235,7 @@
           <a:p>
             <a:fld id="{803A6DAB-104D-4A34-92C1-982EC081E5FE}" type="datetimeFigureOut">
               <a:rPr lang="en-US" smtClean="0"/>
-              <a:t>2/20/2024</a:t>
+              <a:t>3/1/2024</a:t>
             </a:fld>
             <a:endParaRPr lang="en-US"/>
           </a:p>
@@ -2433,7 +2433,7 @@
           <a:p>
             <a:fld id="{803A6DAB-104D-4A34-92C1-982EC081E5FE}" type="datetimeFigureOut">
               <a:rPr lang="en-US" smtClean="0"/>
-              <a:t>2/20/2024</a:t>
+              <a:t>3/1/2024</a:t>
             </a:fld>
             <a:endParaRPr lang="en-US"/>
           </a:p>
@@ -2708,7 +2708,7 @@
           <a:p>
             <a:fld id="{803A6DAB-104D-4A34-92C1-982EC081E5FE}" type="datetimeFigureOut">
               <a:rPr lang="en-US" smtClean="0"/>
-              <a:t>2/20/2024</a:t>
+              <a:t>3/1/2024</a:t>
             </a:fld>
             <a:endParaRPr lang="en-US"/>
           </a:p>
@@ -2973,7 +2973,7 @@
           <a:p>
             <a:fld id="{803A6DAB-104D-4A34-92C1-982EC081E5FE}" type="datetimeFigureOut">
               <a:rPr lang="en-US" smtClean="0"/>
-              <a:t>2/20/2024</a:t>
+              <a:t>3/1/2024</a:t>
             </a:fld>
             <a:endParaRPr lang="en-US"/>
           </a:p>
@@ -3385,7 +3385,7 @@
           <a:p>
             <a:fld id="{803A6DAB-104D-4A34-92C1-982EC081E5FE}" type="datetimeFigureOut">
               <a:rPr lang="en-US" smtClean="0"/>
-              <a:t>2/20/2024</a:t>
+              <a:t>3/1/2024</a:t>
             </a:fld>
             <a:endParaRPr lang="en-US"/>
           </a:p>
@@ -3526,7 +3526,7 @@
           <a:p>
             <a:fld id="{803A6DAB-104D-4A34-92C1-982EC081E5FE}" type="datetimeFigureOut">
               <a:rPr lang="en-US" smtClean="0"/>
-              <a:t>2/20/2024</a:t>
+              <a:t>3/1/2024</a:t>
             </a:fld>
             <a:endParaRPr lang="en-US"/>
           </a:p>
@@ -3639,7 +3639,7 @@
           <a:p>
             <a:fld id="{803A6DAB-104D-4A34-92C1-982EC081E5FE}" type="datetimeFigureOut">
               <a:rPr lang="en-US" smtClean="0"/>
-              <a:t>2/20/2024</a:t>
+              <a:t>3/1/2024</a:t>
             </a:fld>
             <a:endParaRPr lang="en-US"/>
           </a:p>
@@ -3950,7 +3950,7 @@
           <a:p>
             <a:fld id="{803A6DAB-104D-4A34-92C1-982EC081E5FE}" type="datetimeFigureOut">
               <a:rPr lang="en-US" smtClean="0"/>
-              <a:t>2/20/2024</a:t>
+              <a:t>3/1/2024</a:t>
             </a:fld>
             <a:endParaRPr lang="en-US"/>
           </a:p>
@@ -4238,7 +4238,7 @@
           <a:p>
             <a:fld id="{803A6DAB-104D-4A34-92C1-982EC081E5FE}" type="datetimeFigureOut">
               <a:rPr lang="en-US" smtClean="0"/>
-              <a:t>2/20/2024</a:t>
+              <a:t>3/1/2024</a:t>
             </a:fld>
             <a:endParaRPr lang="en-US"/>
           </a:p>
@@ -4479,7 +4479,7 @@
           <a:p>
             <a:fld id="{803A6DAB-104D-4A34-92C1-982EC081E5FE}" type="datetimeFigureOut">
               <a:rPr lang="en-US" smtClean="0"/>
-              <a:t>2/20/2024</a:t>
+              <a:t>3/1/2024</a:t>
             </a:fld>
             <a:endParaRPr lang="en-US"/>
           </a:p>
@@ -8672,13 +8672,13 @@
           <p:nvPr>
             <p:extLst>
               <p:ext uri="{D42A27DB-BD31-4B8C-83A1-F6EECF244321}">
-                <p14:modId xmlns:p14="http://schemas.microsoft.com/office/powerpoint/2010/main" val="311036648"/>
+                <p14:modId xmlns:p14="http://schemas.microsoft.com/office/powerpoint/2010/main" val="2743892239"/>
               </p:ext>
             </p:extLst>
           </p:nvPr>
         </p:nvGraphicFramePr>
         <p:xfrm>
-          <a:off x="204282" y="75854"/>
+          <a:off x="186447" y="-89516"/>
           <a:ext cx="11819106" cy="12124598"/>
         </p:xfrm>
         <a:graphic>
